--- a/timeseries_seethis/notes/tsr_overview.pptx
+++ b/timeseries_seethis/notes/tsr_overview.pptx
@@ -131,6 +131,11 @@
       </a:defRPr>
     </a:lvl9pPr>
   </p:defaultTextStyle>
+  <p:extLst>
+    <p:ext uri="{EFAFB233-063F-42B5-8137-9DF3F51BA10A}">
+      <p15:sldGuideLst xmlns:p15="http://schemas.microsoft.com/office/powerpoint/2012/main"/>
+    </p:ext>
+  </p:extLst>
 </p:presentation>
 </file>
 
@@ -511,7 +516,7 @@
             </a:extLst>
           </p:cNvPr>
           <p:cNvSpPr>
-            <a:spLocks noChangeArrowheads="1" noTextEdit="1"/>
+            <a:spLocks noGrp="1" noRot="1" noChangeAspect="1" noChangeArrowheads="1" noTextEdit="1"/>
           </p:cNvSpPr>
           <p:nvPr>
             <p:ph type="sldImg"/>
@@ -620,7 +625,7 @@
             </a:extLst>
           </p:cNvPr>
           <p:cNvSpPr>
-            <a:spLocks noChangeArrowheads="1" noTextEdit="1"/>
+            <a:spLocks noGrp="1" noRot="1" noChangeAspect="1" noChangeArrowheads="1" noTextEdit="1"/>
           </p:cNvSpPr>
           <p:nvPr>
             <p:ph type="sldImg"/>
@@ -628,8 +633,8 @@
         </p:nvSpPr>
         <p:spPr>
           <a:xfrm>
-            <a:off x="1150938" y="692150"/>
-            <a:ext cx="4556125" cy="3416300"/>
+            <a:off x="393700" y="692150"/>
+            <a:ext cx="6070600" cy="3416300"/>
           </a:xfrm>
           <a:ln cap="flat"/>
         </p:spPr>
@@ -729,7 +734,7 @@
             </a:extLst>
           </p:cNvPr>
           <p:cNvSpPr>
-            <a:spLocks noChangeArrowheads="1" noTextEdit="1"/>
+            <a:spLocks noGrp="1" noRot="1" noChangeAspect="1" noChangeArrowheads="1" noTextEdit="1"/>
           </p:cNvSpPr>
           <p:nvPr>
             <p:ph type="sldImg"/>
@@ -838,7 +843,7 @@
             </a:extLst>
           </p:cNvPr>
           <p:cNvSpPr>
-            <a:spLocks noChangeArrowheads="1" noTextEdit="1"/>
+            <a:spLocks noGrp="1" noRot="1" noChangeAspect="1" noChangeArrowheads="1" noTextEdit="1"/>
           </p:cNvSpPr>
           <p:nvPr>
             <p:ph type="sldImg"/>
@@ -947,7 +952,7 @@
             </a:extLst>
           </p:cNvPr>
           <p:cNvSpPr>
-            <a:spLocks noChangeArrowheads="1" noTextEdit="1"/>
+            <a:spLocks noGrp="1" noRot="1" noChangeAspect="1" noChangeArrowheads="1" noTextEdit="1"/>
           </p:cNvSpPr>
           <p:nvPr>
             <p:ph type="sldImg"/>
@@ -955,8 +960,8 @@
         </p:nvSpPr>
         <p:spPr>
           <a:xfrm>
-            <a:off x="1150938" y="692150"/>
-            <a:ext cx="4556125" cy="3416300"/>
+            <a:off x="393700" y="692150"/>
+            <a:ext cx="6070600" cy="3416300"/>
           </a:xfrm>
           <a:ln cap="flat"/>
         </p:spPr>
@@ -1056,7 +1061,7 @@
             </a:extLst>
           </p:cNvPr>
           <p:cNvSpPr>
-            <a:spLocks noChangeArrowheads="1" noTextEdit="1"/>
+            <a:spLocks noGrp="1" noRot="1" noChangeAspect="1" noChangeArrowheads="1" noTextEdit="1"/>
           </p:cNvSpPr>
           <p:nvPr>
             <p:ph type="sldImg"/>
@@ -1165,7 +1170,7 @@
             </a:extLst>
           </p:cNvPr>
           <p:cNvSpPr>
-            <a:spLocks noChangeArrowheads="1" noTextEdit="1"/>
+            <a:spLocks noGrp="1" noRot="1" noChangeAspect="1" noChangeArrowheads="1" noTextEdit="1"/>
           </p:cNvSpPr>
           <p:nvPr>
             <p:ph type="sldImg"/>
@@ -1173,8 +1178,8 @@
         </p:nvSpPr>
         <p:spPr>
           <a:xfrm>
-            <a:off x="1150938" y="692150"/>
-            <a:ext cx="4556125" cy="3416300"/>
+            <a:off x="393700" y="692150"/>
+            <a:ext cx="6070600" cy="3416300"/>
           </a:xfrm>
           <a:ln cap="flat"/>
         </p:spPr>
@@ -1274,7 +1279,7 @@
             </a:extLst>
           </p:cNvPr>
           <p:cNvSpPr>
-            <a:spLocks noChangeArrowheads="1" noTextEdit="1"/>
+            <a:spLocks noGrp="1" noRot="1" noChangeAspect="1" noChangeArrowheads="1" noTextEdit="1"/>
           </p:cNvSpPr>
           <p:nvPr>
             <p:ph type="sldImg"/>
@@ -1282,8 +1287,8 @@
         </p:nvSpPr>
         <p:spPr>
           <a:xfrm>
-            <a:off x="1150938" y="692150"/>
-            <a:ext cx="4556125" cy="3416300"/>
+            <a:off x="393700" y="692150"/>
+            <a:ext cx="6070600" cy="3416300"/>
           </a:xfrm>
           <a:ln cap="flat"/>
         </p:spPr>
@@ -1383,7 +1388,7 @@
             </a:extLst>
           </p:cNvPr>
           <p:cNvSpPr>
-            <a:spLocks noChangeArrowheads="1" noTextEdit="1"/>
+            <a:spLocks noGrp="1" noRot="1" noChangeAspect="1" noChangeArrowheads="1" noTextEdit="1"/>
           </p:cNvSpPr>
           <p:nvPr>
             <p:ph type="sldImg"/>
@@ -1391,8 +1396,8 @@
         </p:nvSpPr>
         <p:spPr>
           <a:xfrm>
-            <a:off x="1150938" y="692150"/>
-            <a:ext cx="4556125" cy="3416300"/>
+            <a:off x="393700" y="692150"/>
+            <a:ext cx="6070600" cy="3416300"/>
           </a:xfrm>
           <a:ln cap="flat"/>
         </p:spPr>
@@ -1492,7 +1497,7 @@
             </a:extLst>
           </p:cNvPr>
           <p:cNvSpPr>
-            <a:spLocks noChangeArrowheads="1" noTextEdit="1"/>
+            <a:spLocks noGrp="1" noRot="1" noChangeAspect="1" noChangeArrowheads="1" noTextEdit="1"/>
           </p:cNvSpPr>
           <p:nvPr>
             <p:ph type="sldImg"/>
@@ -1500,8 +1505,8 @@
         </p:nvSpPr>
         <p:spPr>
           <a:xfrm>
-            <a:off x="1150938" y="692150"/>
-            <a:ext cx="4556125" cy="3416300"/>
+            <a:off x="393700" y="692150"/>
+            <a:ext cx="6070600" cy="3416300"/>
           </a:xfrm>
           <a:ln cap="flat"/>
         </p:spPr>
@@ -1601,7 +1606,7 @@
             </a:extLst>
           </p:cNvPr>
           <p:cNvSpPr>
-            <a:spLocks noChangeArrowheads="1" noTextEdit="1"/>
+            <a:spLocks noGrp="1" noRot="1" noChangeAspect="1" noChangeArrowheads="1" noTextEdit="1"/>
           </p:cNvSpPr>
           <p:nvPr>
             <p:ph type="sldImg"/>
@@ -1609,8 +1614,8 @@
         </p:nvSpPr>
         <p:spPr>
           <a:xfrm>
-            <a:off x="1150938" y="692150"/>
-            <a:ext cx="4556125" cy="3416300"/>
+            <a:off x="393700" y="692150"/>
+            <a:ext cx="6070600" cy="3416300"/>
           </a:xfrm>
           <a:ln cap="flat"/>
         </p:spPr>
@@ -1710,7 +1715,7 @@
             </a:extLst>
           </p:cNvPr>
           <p:cNvSpPr>
-            <a:spLocks noChangeArrowheads="1" noTextEdit="1"/>
+            <a:spLocks noGrp="1" noRot="1" noChangeAspect="1" noChangeArrowheads="1" noTextEdit="1"/>
           </p:cNvSpPr>
           <p:nvPr>
             <p:ph type="sldImg"/>
@@ -1819,7 +1824,7 @@
             </a:extLst>
           </p:cNvPr>
           <p:cNvSpPr>
-            <a:spLocks noChangeArrowheads="1" noTextEdit="1"/>
+            <a:spLocks noGrp="1" noRot="1" noChangeAspect="1" noChangeArrowheads="1" noTextEdit="1"/>
           </p:cNvSpPr>
           <p:nvPr>
             <p:ph type="sldImg"/>
@@ -1827,8 +1832,8 @@
         </p:nvSpPr>
         <p:spPr>
           <a:xfrm>
-            <a:off x="1150938" y="692150"/>
-            <a:ext cx="4556125" cy="3416300"/>
+            <a:off x="393700" y="692150"/>
+            <a:ext cx="6070600" cy="3416300"/>
           </a:xfrm>
           <a:ln cap="flat"/>
         </p:spPr>
@@ -1928,7 +1933,7 @@
             </a:extLst>
           </p:cNvPr>
           <p:cNvSpPr>
-            <a:spLocks noChangeArrowheads="1" noTextEdit="1"/>
+            <a:spLocks noGrp="1" noRot="1" noChangeAspect="1" noChangeArrowheads="1" noTextEdit="1"/>
           </p:cNvSpPr>
           <p:nvPr>
             <p:ph type="sldImg"/>
@@ -2037,7 +2042,7 @@
             </a:extLst>
           </p:cNvPr>
           <p:cNvSpPr>
-            <a:spLocks noChangeArrowheads="1" noTextEdit="1"/>
+            <a:spLocks noGrp="1" noRot="1" noChangeAspect="1" noChangeArrowheads="1" noTextEdit="1"/>
           </p:cNvSpPr>
           <p:nvPr>
             <p:ph type="sldImg"/>
@@ -2146,7 +2151,7 @@
             </a:extLst>
           </p:cNvPr>
           <p:cNvSpPr>
-            <a:spLocks noChangeArrowheads="1" noTextEdit="1"/>
+            <a:spLocks noGrp="1" noRot="1" noChangeAspect="1" noChangeArrowheads="1" noTextEdit="1"/>
           </p:cNvSpPr>
           <p:nvPr>
             <p:ph type="sldImg"/>
@@ -2255,7 +2260,7 @@
             </a:extLst>
           </p:cNvPr>
           <p:cNvSpPr>
-            <a:spLocks noChangeArrowheads="1" noTextEdit="1"/>
+            <a:spLocks noGrp="1" noRot="1" noChangeAspect="1" noChangeArrowheads="1" noTextEdit="1"/>
           </p:cNvSpPr>
           <p:nvPr>
             <p:ph type="sldImg"/>
@@ -2263,8 +2268,8 @@
         </p:nvSpPr>
         <p:spPr>
           <a:xfrm>
-            <a:off x="1150938" y="692150"/>
-            <a:ext cx="4556125" cy="3416300"/>
+            <a:off x="393700" y="692150"/>
+            <a:ext cx="6070600" cy="3416300"/>
           </a:xfrm>
           <a:ln cap="flat"/>
         </p:spPr>
@@ -2429,7 +2434,7 @@
             </a:extLst>
           </p:cNvPr>
           <p:cNvSpPr>
-            <a:spLocks noChangeArrowheads="1" noTextEdit="1"/>
+            <a:spLocks noGrp="1" noRot="1" noChangeAspect="1" noChangeArrowheads="1" noTextEdit="1"/>
           </p:cNvSpPr>
           <p:nvPr>
             <p:ph type="sldImg"/>
@@ -2538,7 +2543,7 @@
             </a:extLst>
           </p:cNvPr>
           <p:cNvSpPr>
-            <a:spLocks noChangeArrowheads="1" noTextEdit="1"/>
+            <a:spLocks noGrp="1" noRot="1" noChangeAspect="1" noChangeArrowheads="1" noTextEdit="1"/>
           </p:cNvSpPr>
           <p:nvPr>
             <p:ph type="sldImg"/>
@@ -2647,7 +2652,7 @@
             </a:extLst>
           </p:cNvPr>
           <p:cNvSpPr>
-            <a:spLocks noChangeArrowheads="1" noTextEdit="1"/>
+            <a:spLocks noGrp="1" noRot="1" noChangeAspect="1" noChangeArrowheads="1" noTextEdit="1"/>
           </p:cNvSpPr>
           <p:nvPr>
             <p:ph type="sldImg"/>
@@ -2756,7 +2761,7 @@
             </a:extLst>
           </p:cNvPr>
           <p:cNvSpPr>
-            <a:spLocks noChangeArrowheads="1" noTextEdit="1"/>
+            <a:spLocks noGrp="1" noRot="1" noChangeAspect="1" noChangeArrowheads="1" noTextEdit="1"/>
           </p:cNvSpPr>
           <p:nvPr>
             <p:ph type="sldImg"/>
@@ -2865,7 +2870,7 @@
             </a:extLst>
           </p:cNvPr>
           <p:cNvSpPr>
-            <a:spLocks noChangeArrowheads="1" noTextEdit="1"/>
+            <a:spLocks noGrp="1" noRot="1" noChangeAspect="1" noChangeArrowheads="1" noTextEdit="1"/>
           </p:cNvSpPr>
           <p:nvPr>
             <p:ph type="sldImg"/>
@@ -2873,8 +2878,8 @@
         </p:nvSpPr>
         <p:spPr>
           <a:xfrm>
-            <a:off x="1150938" y="692150"/>
-            <a:ext cx="4556125" cy="3416300"/>
+            <a:off x="393700" y="692150"/>
+            <a:ext cx="6070600" cy="3416300"/>
           </a:xfrm>
           <a:ln cap="flat"/>
         </p:spPr>
@@ -2974,7 +2979,7 @@
             </a:extLst>
           </p:cNvPr>
           <p:cNvSpPr>
-            <a:spLocks noChangeArrowheads="1" noTextEdit="1"/>
+            <a:spLocks noGrp="1" noRot="1" noChangeAspect="1" noChangeArrowheads="1" noTextEdit="1"/>
           </p:cNvSpPr>
           <p:nvPr>
             <p:ph type="sldImg"/>
@@ -2982,8 +2987,8 @@
         </p:nvSpPr>
         <p:spPr>
           <a:xfrm>
-            <a:off x="1150938" y="692150"/>
-            <a:ext cx="4556125" cy="3416300"/>
+            <a:off x="393700" y="692150"/>
+            <a:ext cx="6070600" cy="3416300"/>
           </a:xfrm>
           <a:ln cap="flat"/>
         </p:spPr>
@@ -3083,7 +3088,7 @@
             </a:extLst>
           </p:cNvPr>
           <p:cNvSpPr>
-            <a:spLocks noChangeArrowheads="1" noTextEdit="1"/>
+            <a:spLocks noGrp="1" noRot="1" noChangeAspect="1" noChangeArrowheads="1" noTextEdit="1"/>
           </p:cNvSpPr>
           <p:nvPr>
             <p:ph type="sldImg"/>
@@ -3091,8 +3096,8 @@
         </p:nvSpPr>
         <p:spPr>
           <a:xfrm>
-            <a:off x="1150938" y="692150"/>
-            <a:ext cx="4556125" cy="3416300"/>
+            <a:off x="393700" y="692150"/>
+            <a:ext cx="6070600" cy="3416300"/>
           </a:xfrm>
           <a:ln cap="flat"/>
         </p:spPr>
@@ -6640,7 +6645,7 @@
           <a:graphicData uri="http://schemas.openxmlformats.org/presentationml/2006/ole">
             <mc:AlternateContent xmlns:mc="http://schemas.openxmlformats.org/markup-compatibility/2006">
               <mc:Choice xmlns:v="urn:schemas-microsoft-com:vml" Requires="v">
-                <p:oleObj spid="_x0000_s18435" name="Equation" r:id="rId4" imgW="18948400" imgH="5016500" progId="Equation.3">
+                <p:oleObj spid="_x0000_s18437" name="Equation" r:id="rId4" imgW="18948400" imgH="5016500" progId="Equation.3">
                   <p:embed/>
                 </p:oleObj>
               </mc:Choice>
@@ -6747,7 +6752,7 @@
           <a:graphicData uri="http://schemas.openxmlformats.org/presentationml/2006/ole">
             <mc:AlternateContent xmlns:mc="http://schemas.openxmlformats.org/markup-compatibility/2006">
               <mc:Choice xmlns:v="urn:schemas-microsoft-com:vml" Requires="v">
-                <p:oleObj spid="_x0000_s18436" name="Equation" r:id="rId6" imgW="19075400" imgH="5016500" progId="Equation.3">
+                <p:oleObj spid="_x0000_s18438" name="Equation" r:id="rId6" imgW="19075400" imgH="5016500" progId="Equation.3">
                   <p:embed/>
                 </p:oleObj>
               </mc:Choice>
@@ -7110,13 +7115,13 @@
               </a:spcBef>
             </a:pPr>
             <a:r>
-              <a:rPr lang="en-US" altLang="en-US" sz="2000">
+              <a:rPr lang="en-US" altLang="en-US" sz="2000" dirty="0">
                 <a:latin typeface="Arial" panose="020B0604020202020204" pitchFamily="34" charset="0"/>
               </a:rPr>
               <a:t>Year</a:t>
             </a:r>
             <a:r>
-              <a:rPr lang="en-US" altLang="en-US" sz="2000">
+              <a:rPr lang="en-US" altLang="en-US" sz="2000" dirty="0">
                 <a:solidFill>
                   <a:srgbClr val="A7FFA7"/>
                 </a:solidFill>
@@ -7125,7 +7130,7 @@
               <a:t>	 Units	   </a:t>
             </a:r>
             <a:r>
-              <a:rPr lang="en-US" altLang="en-US" sz="2000">
+              <a:rPr lang="en-US" altLang="en-US" sz="2000" dirty="0">
                 <a:solidFill>
                   <a:schemeClr val="hlink"/>
                 </a:solidFill>
@@ -7133,7 +7138,7 @@
               </a:rPr>
               <a:t>Moving		      Ave</a:t>
             </a:r>
-            <a:endParaRPr lang="en-US" altLang="en-US" sz="2000">
+            <a:endParaRPr lang="en-US" altLang="en-US" sz="2000" dirty="0">
               <a:latin typeface="Arial" panose="020B0604020202020204" pitchFamily="34" charset="0"/>
             </a:endParaRPr>
           </a:p>
@@ -7144,13 +7149,13 @@
               </a:spcBef>
             </a:pPr>
             <a:r>
-              <a:rPr lang="en-US" altLang="en-US" sz="2000" b="0">
+              <a:rPr lang="en-US" altLang="en-US" sz="2000" b="0" dirty="0">
                 <a:latin typeface="Arial" panose="020B0604020202020204" pitchFamily="34" charset="0"/>
               </a:rPr>
               <a:t>1994	        </a:t>
             </a:r>
             <a:r>
-              <a:rPr lang="en-US" altLang="en-US" sz="2000" b="0">
+              <a:rPr lang="en-US" altLang="en-US" sz="2000" b="0" dirty="0">
                 <a:solidFill>
                   <a:srgbClr val="A7FFA7"/>
                 </a:solidFill>
@@ -7159,7 +7164,7 @@
               <a:t>2          </a:t>
             </a:r>
             <a:r>
-              <a:rPr lang="en-US" altLang="en-US" sz="2000" b="0">
+              <a:rPr lang="en-US" altLang="en-US" sz="2000" b="0" dirty="0">
                 <a:solidFill>
                   <a:schemeClr val="hlink"/>
                 </a:solidFill>
@@ -7167,7 +7172,7 @@
               </a:rPr>
               <a:t>NA</a:t>
             </a:r>
-            <a:endParaRPr lang="en-US" altLang="en-US" sz="2000" b="0">
+            <a:endParaRPr lang="en-US" altLang="en-US" sz="2000" b="0" dirty="0">
               <a:latin typeface="Arial" panose="020B0604020202020204" pitchFamily="34" charset="0"/>
             </a:endParaRPr>
           </a:p>
@@ -7178,13 +7183,13 @@
               </a:spcBef>
             </a:pPr>
             <a:r>
-              <a:rPr lang="en-US" altLang="en-US" sz="2000" b="0">
+              <a:rPr lang="en-US" altLang="en-US" sz="2000" b="0" dirty="0">
                 <a:latin typeface="Arial" panose="020B0604020202020204" pitchFamily="34" charset="0"/>
               </a:rPr>
               <a:t>1995	        </a:t>
             </a:r>
             <a:r>
-              <a:rPr lang="en-US" altLang="en-US" sz="2000" b="0">
+              <a:rPr lang="en-US" altLang="en-US" sz="2000" b="0" dirty="0">
                 <a:solidFill>
                   <a:srgbClr val="A7FFA7"/>
                 </a:solidFill>
@@ -7193,13 +7198,13 @@
               <a:t>5</a:t>
             </a:r>
             <a:r>
-              <a:rPr lang="en-US" altLang="en-US" sz="2000" b="0">
+              <a:rPr lang="en-US" altLang="en-US" sz="2000" b="0" dirty="0">
                 <a:latin typeface="Arial" panose="020B0604020202020204" pitchFamily="34" charset="0"/>
               </a:rPr>
               <a:t>           </a:t>
             </a:r>
             <a:r>
-              <a:rPr lang="en-US" altLang="en-US" sz="2000" b="0">
+              <a:rPr lang="en-US" altLang="en-US" sz="2000" b="0" dirty="0">
                 <a:solidFill>
                   <a:schemeClr val="hlink"/>
                 </a:solidFill>
@@ -7208,7 +7213,7 @@
               <a:t>3 </a:t>
             </a:r>
             <a:r>
-              <a:rPr lang="en-US" altLang="en-US" sz="2000" b="0">
+              <a:rPr lang="en-US" altLang="en-US" sz="2000" b="0" dirty="0">
                 <a:latin typeface="Arial" panose="020B0604020202020204" pitchFamily="34" charset="0"/>
               </a:rPr>
               <a:t>	</a:t>
@@ -7221,13 +7226,13 @@
               </a:spcBef>
             </a:pPr>
             <a:r>
-              <a:rPr lang="en-US" altLang="en-US" sz="2000" b="0">
+              <a:rPr lang="en-US" altLang="en-US" sz="2000" b="0" dirty="0">
                 <a:latin typeface="Arial" panose="020B0604020202020204" pitchFamily="34" charset="0"/>
               </a:rPr>
               <a:t>1996	        </a:t>
             </a:r>
             <a:r>
-              <a:rPr lang="en-US" altLang="en-US" sz="2000" b="0">
+              <a:rPr lang="en-US" altLang="en-US" sz="2000" b="0" dirty="0">
                 <a:solidFill>
                   <a:srgbClr val="A7FFA7"/>
                 </a:solidFill>
@@ -7236,13 +7241,13 @@
               <a:t>2</a:t>
             </a:r>
             <a:r>
-              <a:rPr lang="en-US" altLang="en-US" sz="2000" b="0">
+              <a:rPr lang="en-US" altLang="en-US" sz="2000" b="0" dirty="0">
                 <a:latin typeface="Arial" panose="020B0604020202020204" pitchFamily="34" charset="0"/>
               </a:rPr>
               <a:t>	        </a:t>
             </a:r>
             <a:r>
-              <a:rPr lang="en-US" altLang="en-US" sz="2000" b="0">
+              <a:rPr lang="en-US" altLang="en-US" sz="2000" b="0" dirty="0">
                 <a:solidFill>
                   <a:schemeClr val="hlink"/>
                 </a:solidFill>
@@ -7258,13 +7263,13 @@
               </a:spcBef>
             </a:pPr>
             <a:r>
-              <a:rPr lang="en-US" altLang="en-US" sz="2000" b="0">
+              <a:rPr lang="en-US" altLang="en-US" sz="2000" b="0" dirty="0">
                 <a:latin typeface="Arial" panose="020B0604020202020204" pitchFamily="34" charset="0"/>
               </a:rPr>
               <a:t>1997	      </a:t>
             </a:r>
             <a:r>
-              <a:rPr lang="en-US" altLang="en-US" sz="2000" b="0">
+              <a:rPr lang="en-US" altLang="en-US" sz="2000" b="0" dirty="0">
                 <a:solidFill>
                   <a:srgbClr val="A7FFA7"/>
                 </a:solidFill>
@@ -7273,13 +7278,13 @@
               <a:t>  2</a:t>
             </a:r>
             <a:r>
-              <a:rPr lang="en-US" altLang="en-US" sz="2000" b="0">
+              <a:rPr lang="en-US" altLang="en-US" sz="2000" b="0" dirty="0">
                 <a:latin typeface="Arial" panose="020B0604020202020204" pitchFamily="34" charset="0"/>
               </a:rPr>
               <a:t>           </a:t>
             </a:r>
             <a:r>
-              <a:rPr lang="en-US" altLang="en-US" sz="2000" b="0">
+              <a:rPr lang="en-US" altLang="en-US" sz="2000" b="0" dirty="0">
                 <a:solidFill>
                   <a:schemeClr val="hlink"/>
                 </a:solidFill>
@@ -7287,7 +7292,7 @@
               </a:rPr>
               <a:t>3.67</a:t>
             </a:r>
-            <a:endParaRPr lang="en-US" altLang="en-US" sz="2000" b="0">
+            <a:endParaRPr lang="en-US" altLang="en-US" sz="2000" b="0" dirty="0">
               <a:latin typeface="Arial" panose="020B0604020202020204" pitchFamily="34" charset="0"/>
             </a:endParaRPr>
           </a:p>
@@ -7298,13 +7303,13 @@
               </a:spcBef>
             </a:pPr>
             <a:r>
-              <a:rPr lang="en-US" altLang="en-US" sz="2000" b="0">
+              <a:rPr lang="en-US" altLang="en-US" sz="2000" b="0" dirty="0">
                 <a:latin typeface="Arial" panose="020B0604020202020204" pitchFamily="34" charset="0"/>
               </a:rPr>
               <a:t>1998	        </a:t>
             </a:r>
             <a:r>
-              <a:rPr lang="en-US" altLang="en-US" sz="2000" b="0">
+              <a:rPr lang="en-US" altLang="en-US" sz="2000" b="0" dirty="0">
                 <a:solidFill>
                   <a:srgbClr val="A7FFA7"/>
                 </a:solidFill>
@@ -7313,7 +7318,7 @@
               <a:t>7           </a:t>
             </a:r>
             <a:r>
-              <a:rPr lang="en-US" altLang="en-US" sz="2000" b="0">
+              <a:rPr lang="en-US" altLang="en-US" sz="2000" b="0" dirty="0">
                 <a:solidFill>
                   <a:schemeClr val="hlink"/>
                 </a:solidFill>
@@ -7322,7 +7327,7 @@
               <a:t>5</a:t>
             </a:r>
             <a:r>
-              <a:rPr lang="en-US" altLang="en-US" sz="2000" b="0">
+              <a:rPr lang="en-US" altLang="en-US" sz="2000" b="0" dirty="0">
                 <a:latin typeface="Arial" panose="020B0604020202020204" pitchFamily="34" charset="0"/>
               </a:rPr>
               <a:t>	</a:t>
@@ -7335,13 +7340,13 @@
               </a:spcBef>
             </a:pPr>
             <a:r>
-              <a:rPr lang="en-US" altLang="en-US" sz="2000" b="0">
+              <a:rPr lang="en-US" altLang="en-US" sz="2000" b="0" dirty="0">
                 <a:latin typeface="Arial" panose="020B0604020202020204" pitchFamily="34" charset="0"/>
               </a:rPr>
               <a:t>1999	        </a:t>
             </a:r>
             <a:r>
-              <a:rPr lang="en-US" altLang="en-US" sz="2000" b="0">
+              <a:rPr lang="en-US" altLang="en-US" sz="2000" b="0" dirty="0">
                 <a:solidFill>
                   <a:srgbClr val="A7FFA7"/>
                 </a:solidFill>
@@ -7350,7 +7355,7 @@
               <a:t>6          </a:t>
             </a:r>
             <a:r>
-              <a:rPr lang="en-US" altLang="en-US" sz="2000" b="0">
+              <a:rPr lang="en-US" altLang="en-US" sz="2000" b="0" dirty="0">
                 <a:solidFill>
                   <a:schemeClr val="hlink"/>
                 </a:solidFill>
@@ -7636,7 +7641,7 @@
               </a:spcBef>
             </a:pPr>
             <a:r>
-              <a:rPr lang="en-US" altLang="en-US" sz="2800" b="0">
+              <a:rPr lang="en-US" altLang="en-US" sz="2800" b="0" dirty="0">
                 <a:solidFill>
                   <a:srgbClr val="66FF33"/>
                 </a:solidFill>
@@ -7644,7 +7649,7 @@
               <a:t>John is a building contractor with a record of a total of 24 single family homes constructed over a 6 year period.</a:t>
             </a:r>
             <a:r>
-              <a:rPr lang="en-US" altLang="en-US" sz="2800" b="0"/>
+              <a:rPr lang="en-US" altLang="en-US" sz="2800" b="0" dirty="0"/>
               <a:t> Provide John with a Moving Average Graph.</a:t>
             </a:r>
           </a:p>
@@ -7673,7 +7678,7 @@
           <a:graphicData uri="http://schemas.openxmlformats.org/presentationml/2006/ole">
             <mc:AlternateContent xmlns:mc="http://schemas.openxmlformats.org/markup-compatibility/2006">
               <mc:Choice xmlns:v="urn:schemas-microsoft-com:vml" Requires="v">
-                <p:oleObj spid="_x0000_s20482" name="Clip" r:id="rId4" imgW="25971500" imgH="16865600" progId="MS_ClipArt_Gallery.2">
+                <p:oleObj spid="_x0000_s20483" name="Clip" r:id="rId4" imgW="25971500" imgH="16865600" progId="MS_ClipArt_Gallery.2">
                   <p:embed/>
                 </p:oleObj>
               </mc:Choice>
@@ -14508,7 +14513,7 @@
               <a:buChar char="•"/>
             </a:pPr>
             <a:r>
-              <a:rPr lang="en-US" altLang="en-US"/>
+              <a:rPr lang="en-US" altLang="en-US" dirty="0"/>
               <a:t>Weighted Moving Average</a:t>
             </a:r>
           </a:p>
@@ -14519,7 +14524,7 @@
               </a:lnSpc>
             </a:pPr>
             <a:r>
-              <a:rPr lang="en-US" altLang="en-US">
+              <a:rPr lang="en-US" altLang="en-US" dirty="0">
                 <a:solidFill>
                   <a:srgbClr val="66FF33"/>
                 </a:solidFill>
@@ -14534,14 +14539,14 @@
               </a:lnSpc>
             </a:pPr>
             <a:r>
-              <a:rPr lang="en-US" altLang="en-US">
+              <a:rPr lang="en-US" altLang="en-US" dirty="0">
                 <a:solidFill>
                   <a:srgbClr val="66FF33"/>
                 </a:solidFill>
               </a:rPr>
               <a:t>Most Recent Observation Weighted Most</a:t>
             </a:r>
-            <a:endParaRPr lang="en-US" altLang="en-US"/>
+            <a:endParaRPr lang="en-US" altLang="en-US" dirty="0"/>
           </a:p>
           <a:p>
             <a:pPr>
@@ -14552,7 +14557,7 @@
               <a:buChar char="•"/>
             </a:pPr>
             <a:r>
-              <a:rPr lang="en-US" altLang="en-US"/>
+              <a:rPr lang="en-US" altLang="en-US" dirty="0"/>
               <a:t>Used for Smoothing and Short Term Forecasting</a:t>
             </a:r>
           </a:p>
@@ -14565,7 +14570,7 @@
               <a:buChar char="•"/>
             </a:pPr>
             <a:r>
-              <a:rPr lang="en-US" altLang="en-US"/>
+              <a:rPr lang="en-US" altLang="en-US" dirty="0"/>
               <a:t>Weights Are:</a:t>
             </a:r>
           </a:p>
@@ -14576,7 +14581,7 @@
               </a:lnSpc>
             </a:pPr>
             <a:r>
-              <a:rPr lang="en-US" altLang="en-US">
+              <a:rPr lang="en-US" altLang="en-US" dirty="0">
                 <a:solidFill>
                   <a:srgbClr val="66FF33"/>
                 </a:solidFill>
@@ -14591,7 +14596,7 @@
               </a:lnSpc>
             </a:pPr>
             <a:r>
-              <a:rPr lang="en-US" altLang="en-US">
+              <a:rPr lang="en-US" altLang="en-US" dirty="0">
                 <a:solidFill>
                   <a:srgbClr val="66FF33"/>
                 </a:solidFill>
@@ -14606,7 +14611,7 @@
               </a:lnSpc>
             </a:pPr>
             <a:r>
-              <a:rPr lang="en-US" altLang="en-US"/>
+              <a:rPr lang="en-US" altLang="en-US" dirty="0"/>
               <a:t>Close to 0 for Smoothing</a:t>
             </a:r>
           </a:p>
@@ -14617,7 +14622,7 @@
               </a:lnSpc>
             </a:pPr>
             <a:r>
-              <a:rPr lang="en-US" altLang="en-US"/>
+              <a:rPr lang="en-US" altLang="en-US" dirty="0"/>
               <a:t>Close to 1 for Forecasting</a:t>
             </a:r>
           </a:p>
@@ -14633,7 +14638,7 @@
               <a:buFont typeface="Wingdings" pitchFamily="2" charset="2"/>
               <a:buChar char="l"/>
             </a:pPr>
-            <a:endParaRPr lang="en-US" altLang="en-US" sz="2400">
+            <a:endParaRPr lang="en-US" altLang="en-US" sz="2400" dirty="0">
               <a:solidFill>
                 <a:srgbClr val="99CCFF"/>
               </a:solidFill>
@@ -14923,13 +14928,13 @@
               </a:spcBef>
             </a:pPr>
             <a:r>
-              <a:rPr lang="en-US" altLang="en-US" sz="2800" b="0">
+              <a:rPr lang="en-US" altLang="en-US" sz="2800" b="0" dirty="0">
                 <a:latin typeface="Arial" panose="020B0604020202020204" pitchFamily="34" charset="0"/>
               </a:rPr>
               <a:t>Year</a:t>
             </a:r>
             <a:r>
-              <a:rPr lang="en-US" altLang="en-US" sz="2800" b="0">
+              <a:rPr lang="en-US" altLang="en-US" sz="2800" b="0" dirty="0">
                 <a:solidFill>
                   <a:srgbClr val="A7FFA7"/>
                 </a:solidFill>
@@ -14938,7 +14943,7 @@
               <a:t>	   Response       </a:t>
             </a:r>
             <a:r>
-              <a:rPr lang="en-US" altLang="en-US" sz="2800" b="0">
+              <a:rPr lang="en-US" altLang="en-US" sz="2800" b="0" dirty="0">
                 <a:solidFill>
                   <a:schemeClr val="hlink"/>
                 </a:solidFill>
@@ -14947,7 +14952,7 @@
               <a:t>Smoothing Value</a:t>
             </a:r>
             <a:r>
-              <a:rPr lang="en-US" altLang="en-US" sz="2800" b="0">
+              <a:rPr lang="en-US" altLang="en-US" sz="2800" b="0" dirty="0">
                 <a:solidFill>
                   <a:srgbClr val="A7FFA7"/>
                 </a:solidFill>
@@ -14956,7 +14961,7 @@
               <a:t>	      </a:t>
             </a:r>
             <a:r>
-              <a:rPr lang="en-US" altLang="en-US" sz="2800" b="0">
+              <a:rPr lang="en-US" altLang="en-US" sz="2800" b="0" dirty="0">
                 <a:solidFill>
                   <a:srgbClr val="FFCC99"/>
                 </a:solidFill>
@@ -14965,7 +14970,7 @@
               <a:t>Forecast</a:t>
             </a:r>
             <a:r>
-              <a:rPr lang="en-US" altLang="en-US" sz="2800" b="0">
+              <a:rPr lang="en-US" altLang="en-US" sz="2800" b="0" dirty="0">
                 <a:solidFill>
                   <a:schemeClr val="hlink"/>
                 </a:solidFill>
@@ -14974,7 +14979,7 @@
               <a:t>			      </a:t>
             </a:r>
             <a:r>
-              <a:rPr lang="en-US" altLang="en-US" sz="2000">
+              <a:rPr lang="en-US" altLang="en-US" sz="2000" dirty="0">
                 <a:solidFill>
                   <a:schemeClr val="hlink"/>
                 </a:solidFill>
@@ -14983,7 +14988,7 @@
               <a:t>(W = .2 sometimes alpha)</a:t>
             </a:r>
             <a:r>
-              <a:rPr lang="en-US" altLang="en-US" sz="2400" b="0">
+              <a:rPr lang="en-US" altLang="en-US" sz="2400" b="0" dirty="0">
                 <a:solidFill>
                   <a:schemeClr val="hlink"/>
                 </a:solidFill>
@@ -14992,7 +14997,7 @@
               <a:t>			</a:t>
             </a:r>
             <a:br>
-              <a:rPr lang="en-US" altLang="en-US" sz="2400" b="0">
+              <a:rPr lang="en-US" altLang="en-US" sz="2400" b="0" dirty="0">
                 <a:solidFill>
                   <a:schemeClr val="hlink"/>
                 </a:solidFill>
@@ -15000,13 +15005,13 @@
               </a:rPr>
             </a:br>
             <a:r>
-              <a:rPr lang="en-US" altLang="en-US" sz="2400" b="0">
+              <a:rPr lang="en-US" altLang="en-US" sz="2400" b="0" dirty="0">
                 <a:latin typeface="Arial" panose="020B0604020202020204" pitchFamily="34" charset="0"/>
               </a:rPr>
               <a:t>1994	        </a:t>
             </a:r>
             <a:r>
-              <a:rPr lang="en-US" altLang="en-US" sz="2400" b="0">
+              <a:rPr lang="en-US" altLang="en-US" sz="2400" b="0" dirty="0">
                 <a:solidFill>
                   <a:srgbClr val="A7FFA7"/>
                 </a:solidFill>
@@ -15015,13 +15020,13 @@
               <a:t>2	</a:t>
             </a:r>
             <a:r>
-              <a:rPr lang="en-US" altLang="en-US" sz="2400" b="0">
+              <a:rPr lang="en-US" altLang="en-US" sz="2400" b="0" dirty="0">
                 <a:latin typeface="Arial" panose="020B0604020202020204" pitchFamily="34" charset="0"/>
               </a:rPr>
               <a:t>	       			 </a:t>
             </a:r>
             <a:r>
-              <a:rPr lang="en-US" altLang="en-US" sz="2400" b="0">
+              <a:rPr lang="en-US" altLang="en-US" sz="2400" b="0" dirty="0">
                 <a:solidFill>
                   <a:schemeClr val="hlink"/>
                 </a:solidFill>
@@ -15030,13 +15035,13 @@
               <a:t>2</a:t>
             </a:r>
             <a:r>
-              <a:rPr lang="en-US" altLang="en-US" sz="2400" b="0">
+              <a:rPr lang="en-US" altLang="en-US" sz="2400" b="0" dirty="0">
                 <a:latin typeface="Arial" panose="020B0604020202020204" pitchFamily="34" charset="0"/>
               </a:rPr>
               <a:t>	           </a:t>
             </a:r>
             <a:r>
-              <a:rPr lang="en-US" altLang="en-US" sz="2400" b="0">
+              <a:rPr lang="en-US" altLang="en-US" sz="2400" b="0" dirty="0">
                 <a:solidFill>
                   <a:srgbClr val="FFCC99"/>
                 </a:solidFill>
@@ -15044,7 +15049,7 @@
               </a:rPr>
               <a:t>NA</a:t>
             </a:r>
-            <a:endParaRPr lang="en-US" altLang="en-US" sz="2400" b="0">
+            <a:endParaRPr lang="en-US" altLang="en-US" sz="2400" b="0" dirty="0">
               <a:latin typeface="Arial" panose="020B0604020202020204" pitchFamily="34" charset="0"/>
             </a:endParaRPr>
           </a:p>
@@ -15055,13 +15060,13 @@
               </a:spcBef>
             </a:pPr>
             <a:r>
-              <a:rPr lang="en-US" altLang="en-US" sz="2400" b="0">
+              <a:rPr lang="en-US" altLang="en-US" sz="2400" b="0" dirty="0">
                 <a:latin typeface="Arial" panose="020B0604020202020204" pitchFamily="34" charset="0"/>
               </a:rPr>
               <a:t>1995	        </a:t>
             </a:r>
             <a:r>
-              <a:rPr lang="en-US" altLang="en-US" sz="2400" b="0">
+              <a:rPr lang="en-US" altLang="en-US" sz="2400" b="0" dirty="0">
                 <a:solidFill>
                   <a:srgbClr val="A7FFA7"/>
                 </a:solidFill>
@@ -15070,13 +15075,13 @@
               <a:t>5</a:t>
             </a:r>
             <a:r>
-              <a:rPr lang="en-US" altLang="en-US" sz="2400" b="0">
+              <a:rPr lang="en-US" altLang="en-US" sz="2400" b="0" dirty="0">
                 <a:latin typeface="Arial" panose="020B0604020202020204" pitchFamily="34" charset="0"/>
               </a:rPr>
               <a:t>		     </a:t>
             </a:r>
             <a:r>
-              <a:rPr lang="en-US" altLang="en-US" sz="2400" b="0">
+              <a:rPr lang="en-US" altLang="en-US" sz="2400" b="0" dirty="0">
                 <a:solidFill>
                   <a:schemeClr val="hlink"/>
                 </a:solidFill>
@@ -15085,7 +15090,7 @@
               <a:t>(.2)(</a:t>
             </a:r>
             <a:r>
-              <a:rPr lang="en-US" altLang="en-US" sz="2400" b="0">
+              <a:rPr lang="en-US" altLang="en-US" sz="2400" b="0" dirty="0">
                 <a:solidFill>
                   <a:srgbClr val="A7FFA7"/>
                 </a:solidFill>
@@ -15094,7 +15099,7 @@
               <a:t>5</a:t>
             </a:r>
             <a:r>
-              <a:rPr lang="en-US" altLang="en-US" sz="2400" b="0">
+              <a:rPr lang="en-US" altLang="en-US" sz="2400" b="0" dirty="0">
                 <a:solidFill>
                   <a:schemeClr val="hlink"/>
                 </a:solidFill>
@@ -15103,13 +15108,13 @@
               <a:t>) + (.8)(2) = 2.6</a:t>
             </a:r>
             <a:r>
-              <a:rPr lang="en-US" altLang="en-US" sz="2400" b="0">
+              <a:rPr lang="en-US" altLang="en-US" sz="2400" b="0" dirty="0">
                 <a:latin typeface="Arial" panose="020B0604020202020204" pitchFamily="34" charset="0"/>
               </a:rPr>
               <a:t>	           </a:t>
             </a:r>
             <a:r>
-              <a:rPr lang="en-US" altLang="en-US" sz="2400">
+              <a:rPr lang="en-US" altLang="en-US" sz="2400" dirty="0">
                 <a:solidFill>
                   <a:srgbClr val="FFCC99"/>
                 </a:solidFill>
@@ -15118,7 +15123,7 @@
               <a:t> 2</a:t>
             </a:r>
             <a:r>
-              <a:rPr lang="en-US" altLang="en-US" sz="2400" b="0">
+              <a:rPr lang="en-US" altLang="en-US" sz="2400" b="0" dirty="0">
                 <a:latin typeface="Arial" panose="020B0604020202020204" pitchFamily="34" charset="0"/>
               </a:rPr>
               <a:t>	</a:t>
@@ -15131,13 +15136,13 @@
               </a:spcBef>
             </a:pPr>
             <a:r>
-              <a:rPr lang="en-US" altLang="en-US" sz="2400" b="0">
+              <a:rPr lang="en-US" altLang="en-US" sz="2400" b="0" dirty="0">
                 <a:latin typeface="Arial" panose="020B0604020202020204" pitchFamily="34" charset="0"/>
               </a:rPr>
               <a:t>1996	        </a:t>
             </a:r>
             <a:r>
-              <a:rPr lang="en-US" altLang="en-US" sz="2400" b="0">
+              <a:rPr lang="en-US" altLang="en-US" sz="2400" b="0" dirty="0">
                 <a:solidFill>
                   <a:srgbClr val="A7FFA7"/>
                 </a:solidFill>
@@ -15146,13 +15151,13 @@
               <a:t>2</a:t>
             </a:r>
             <a:r>
-              <a:rPr lang="en-US" altLang="en-US" sz="2400" b="0">
+              <a:rPr lang="en-US" altLang="en-US" sz="2400" b="0" dirty="0">
                 <a:latin typeface="Arial" panose="020B0604020202020204" pitchFamily="34" charset="0"/>
               </a:rPr>
               <a:t>	                </a:t>
             </a:r>
             <a:r>
-              <a:rPr lang="en-US" altLang="en-US" sz="2400" b="0">
+              <a:rPr lang="en-US" altLang="en-US" sz="2400" b="0" dirty="0">
                 <a:solidFill>
                   <a:schemeClr val="hlink"/>
                 </a:solidFill>
@@ -15161,7 +15166,7 @@
               <a:t>(.2)(</a:t>
             </a:r>
             <a:r>
-              <a:rPr lang="en-US" altLang="en-US" sz="2400" b="0">
+              <a:rPr lang="en-US" altLang="en-US" sz="2400" b="0" dirty="0">
                 <a:solidFill>
                   <a:srgbClr val="A7FFA7"/>
                 </a:solidFill>
@@ -15170,7 +15175,7 @@
               <a:t>2</a:t>
             </a:r>
             <a:r>
-              <a:rPr lang="en-US" altLang="en-US" sz="2400" b="0">
+              <a:rPr lang="en-US" altLang="en-US" sz="2400" b="0" dirty="0">
                 <a:solidFill>
                   <a:schemeClr val="hlink"/>
                 </a:solidFill>
@@ -15179,7 +15184,7 @@
               <a:t>) + (.8)(2.6) = 2.48            </a:t>
             </a:r>
             <a:r>
-              <a:rPr lang="en-US" altLang="en-US" sz="2400">
+              <a:rPr lang="en-US" altLang="en-US" sz="2400" dirty="0">
                 <a:solidFill>
                   <a:srgbClr val="FFCC99"/>
                 </a:solidFill>
@@ -15187,7 +15192,7 @@
               </a:rPr>
               <a:t>2.6</a:t>
             </a:r>
-            <a:endParaRPr lang="en-US" altLang="en-US" sz="2400" b="0">
+            <a:endParaRPr lang="en-US" altLang="en-US" sz="2400" b="0" dirty="0">
               <a:solidFill>
                 <a:srgbClr val="FFCC99"/>
               </a:solidFill>
@@ -15201,13 +15206,13 @@
               </a:spcBef>
             </a:pPr>
             <a:r>
-              <a:rPr lang="en-US" altLang="en-US" sz="2400" b="0">
+              <a:rPr lang="en-US" altLang="en-US" sz="2400" b="0" dirty="0">
                 <a:latin typeface="Arial" panose="020B0604020202020204" pitchFamily="34" charset="0"/>
               </a:rPr>
               <a:t>1997	      </a:t>
             </a:r>
             <a:r>
-              <a:rPr lang="en-US" altLang="en-US" sz="2400" b="0">
+              <a:rPr lang="en-US" altLang="en-US" sz="2400" b="0" dirty="0">
                 <a:solidFill>
                   <a:srgbClr val="A7FFA7"/>
                 </a:solidFill>
@@ -15216,13 +15221,13 @@
               <a:t>  2</a:t>
             </a:r>
             <a:r>
-              <a:rPr lang="en-US" altLang="en-US" sz="2400" b="0">
+              <a:rPr lang="en-US" altLang="en-US" sz="2400" b="0" dirty="0">
                 <a:latin typeface="Arial" panose="020B0604020202020204" pitchFamily="34" charset="0"/>
               </a:rPr>
               <a:t>		     </a:t>
             </a:r>
             <a:r>
-              <a:rPr lang="en-US" altLang="en-US" sz="2400" b="0">
+              <a:rPr lang="en-US" altLang="en-US" sz="2400" b="0" dirty="0">
                 <a:solidFill>
                   <a:schemeClr val="hlink"/>
                 </a:solidFill>
@@ -15231,7 +15236,7 @@
               <a:t>(.2)(</a:t>
             </a:r>
             <a:r>
-              <a:rPr lang="en-US" altLang="en-US" sz="2400" b="0">
+              <a:rPr lang="en-US" altLang="en-US" sz="2400" b="0" dirty="0">
                 <a:solidFill>
                   <a:srgbClr val="A7FFA7"/>
                 </a:solidFill>
@@ -15240,7 +15245,7 @@
               <a:t>2</a:t>
             </a:r>
             <a:r>
-              <a:rPr lang="en-US" altLang="en-US" sz="2400" b="0">
+              <a:rPr lang="en-US" altLang="en-US" sz="2400" b="0" dirty="0">
                 <a:solidFill>
                   <a:schemeClr val="hlink"/>
                 </a:solidFill>
@@ -15249,7 +15254,7 @@
               <a:t>) + (.8)(2.48) = 2.384        </a:t>
             </a:r>
             <a:r>
-              <a:rPr lang="en-US" altLang="en-US" sz="2400">
+              <a:rPr lang="en-US" altLang="en-US" sz="2400" dirty="0">
                 <a:solidFill>
                   <a:srgbClr val="FFCC99"/>
                 </a:solidFill>
@@ -15257,7 +15262,7 @@
               </a:rPr>
               <a:t>2.48</a:t>
             </a:r>
-            <a:endParaRPr lang="en-US" altLang="en-US" sz="2400" b="0">
+            <a:endParaRPr lang="en-US" altLang="en-US" sz="2400" b="0" dirty="0">
               <a:solidFill>
                 <a:schemeClr val="hlink"/>
               </a:solidFill>
@@ -15271,13 +15276,13 @@
               </a:spcBef>
             </a:pPr>
             <a:r>
-              <a:rPr lang="en-US" altLang="en-US" sz="2400" b="0">
+              <a:rPr lang="en-US" altLang="en-US" sz="2400" b="0" dirty="0">
                 <a:latin typeface="Arial" panose="020B0604020202020204" pitchFamily="34" charset="0"/>
               </a:rPr>
               <a:t>1998	        </a:t>
             </a:r>
             <a:r>
-              <a:rPr lang="en-US" altLang="en-US" sz="2400" b="0">
+              <a:rPr lang="en-US" altLang="en-US" sz="2400" b="0" dirty="0">
                 <a:solidFill>
                   <a:srgbClr val="A7FFA7"/>
                 </a:solidFill>
@@ -15286,13 +15291,13 @@
               <a:t>7	</a:t>
             </a:r>
             <a:r>
-              <a:rPr lang="en-US" altLang="en-US" sz="2400" b="0">
+              <a:rPr lang="en-US" altLang="en-US" sz="2400" b="0" dirty="0">
                 <a:latin typeface="Arial" panose="020B0604020202020204" pitchFamily="34" charset="0"/>
               </a:rPr>
               <a:t>	     </a:t>
             </a:r>
             <a:r>
-              <a:rPr lang="en-US" altLang="en-US" sz="2400" b="0">
+              <a:rPr lang="en-US" altLang="en-US" sz="2400" b="0" dirty="0">
                 <a:solidFill>
                   <a:schemeClr val="hlink"/>
                 </a:solidFill>
@@ -15301,7 +15306,7 @@
               <a:t>(.2)(</a:t>
             </a:r>
             <a:r>
-              <a:rPr lang="en-US" altLang="en-US" sz="2400" b="0">
+              <a:rPr lang="en-US" altLang="en-US" sz="2400" b="0" dirty="0">
                 <a:solidFill>
                   <a:srgbClr val="A7FFA7"/>
                 </a:solidFill>
@@ -15310,7 +15315,7 @@
               <a:t>7</a:t>
             </a:r>
             <a:r>
-              <a:rPr lang="en-US" altLang="en-US" sz="2400" b="0">
+              <a:rPr lang="en-US" altLang="en-US" sz="2400" b="0" dirty="0">
                 <a:solidFill>
                   <a:schemeClr val="hlink"/>
                 </a:solidFill>
@@ -15319,7 +15324,7 @@
               <a:t>) + (.8)(2.384) = 3.307      </a:t>
             </a:r>
             <a:r>
-              <a:rPr lang="en-US" altLang="en-US" sz="2400">
+              <a:rPr lang="en-US" altLang="en-US" sz="2400" dirty="0">
                 <a:solidFill>
                   <a:srgbClr val="FFCC99"/>
                 </a:solidFill>
@@ -15327,7 +15332,7 @@
               </a:rPr>
               <a:t>2.384	</a:t>
             </a:r>
-            <a:endParaRPr lang="en-US" altLang="en-US" sz="2400" b="0">
+            <a:endParaRPr lang="en-US" altLang="en-US" sz="2400" b="0" dirty="0">
               <a:latin typeface="Arial" panose="020B0604020202020204" pitchFamily="34" charset="0"/>
             </a:endParaRPr>
           </a:p>
@@ -15338,13 +15343,13 @@
               </a:spcBef>
             </a:pPr>
             <a:r>
-              <a:rPr lang="en-US" altLang="en-US" sz="2400" b="0">
+              <a:rPr lang="en-US" altLang="en-US" sz="2400" b="0" dirty="0">
                 <a:latin typeface="Arial" panose="020B0604020202020204" pitchFamily="34" charset="0"/>
               </a:rPr>
               <a:t>1999	        </a:t>
             </a:r>
             <a:r>
-              <a:rPr lang="en-US" altLang="en-US" sz="2400" b="0">
+              <a:rPr lang="en-US" altLang="en-US" sz="2400" b="0" dirty="0">
                 <a:solidFill>
                   <a:srgbClr val="A7FFA7"/>
                 </a:solidFill>
@@ -15353,13 +15358,13 @@
               <a:t>6</a:t>
             </a:r>
             <a:r>
-              <a:rPr lang="en-US" altLang="en-US" sz="2400" b="0">
+              <a:rPr lang="en-US" altLang="en-US" sz="2400" b="0" dirty="0">
                 <a:latin typeface="Arial" panose="020B0604020202020204" pitchFamily="34" charset="0"/>
               </a:rPr>
               <a:t>	               </a:t>
             </a:r>
             <a:r>
-              <a:rPr lang="en-US" altLang="en-US" sz="2400" b="0">
+              <a:rPr lang="en-US" altLang="en-US" sz="2400" b="0" dirty="0">
                 <a:solidFill>
                   <a:schemeClr val="hlink"/>
                 </a:solidFill>
@@ -15368,7 +15373,7 @@
               <a:t> (.2)(6) + (.8)(3.307) = 3.846</a:t>
             </a:r>
             <a:r>
-              <a:rPr lang="en-US" altLang="en-US" sz="2400" b="0">
+              <a:rPr lang="en-US" altLang="en-US" sz="2400" b="0" dirty="0">
                 <a:solidFill>
                   <a:srgbClr val="FFCC99"/>
                 </a:solidFill>
@@ -15377,7 +15382,7 @@
               <a:t>      </a:t>
             </a:r>
             <a:r>
-              <a:rPr lang="en-US" altLang="en-US" sz="2400">
+              <a:rPr lang="en-US" altLang="en-US" sz="2400" dirty="0">
                 <a:solidFill>
                   <a:srgbClr val="FFCC99"/>
                 </a:solidFill>
@@ -16209,7 +16214,7 @@
           <a:graphicData uri="http://schemas.openxmlformats.org/presentationml/2006/ole">
             <mc:AlternateContent xmlns:mc="http://schemas.openxmlformats.org/markup-compatibility/2006">
               <mc:Choice xmlns:v="urn:schemas-microsoft-com:vml" Requires="v">
-                <p:oleObj spid="_x0000_s26626" name="Equation" r:id="rId4" imgW="21844000" imgH="3848100" progId="Equation.3">
+                <p:oleObj spid="_x0000_s26627" name="Equation" r:id="rId4" imgW="21844000" imgH="3848100" progId="Equation.3">
                   <p:embed/>
                 </p:oleObj>
               </mc:Choice>
@@ -21017,7 +21022,7 @@
           <a:graphicData uri="http://schemas.openxmlformats.org/presentationml/2006/ole">
             <mc:AlternateContent xmlns:mc="http://schemas.openxmlformats.org/markup-compatibility/2006">
               <mc:Choice xmlns:v="urn:schemas-microsoft-com:vml" Requires="v">
-                <p:oleObj spid="_x0000_s30724" name="Equation" r:id="rId4" imgW="35179000" imgH="4457700" progId="Equation.3">
+                <p:oleObj spid="_x0000_s30727" name="Equation" r:id="rId4" imgW="35179000" imgH="4457700" progId="Equation.3">
                   <p:embed/>
                 </p:oleObj>
               </mc:Choice>
@@ -21554,7 +21559,7 @@
           <a:graphicData uri="http://schemas.openxmlformats.org/presentationml/2006/ole">
             <mc:AlternateContent xmlns:mc="http://schemas.openxmlformats.org/markup-compatibility/2006">
               <mc:Choice xmlns:v="urn:schemas-microsoft-com:vml" Requires="v">
-                <p:oleObj spid="_x0000_s30725" name="Worksheet" r:id="rId6" imgW="34747200" imgH="23774400" progId="Excel.Sheet.8">
+                <p:oleObj spid="_x0000_s30728" name="Worksheet" r:id="rId6" imgW="34747200" imgH="23774400" progId="Excel.Sheet.8">
                   <p:embed/>
                 </p:oleObj>
               </mc:Choice>
@@ -21999,7 +22004,7 @@
           <a:graphicData uri="http://schemas.openxmlformats.org/presentationml/2006/ole">
             <mc:AlternateContent xmlns:mc="http://schemas.openxmlformats.org/markup-compatibility/2006">
               <mc:Choice xmlns:v="urn:schemas-microsoft-com:vml" Requires="v">
-                <p:oleObj spid="_x0000_s30726" name="Worksheet" r:id="rId8" imgW="17627600" imgH="6324600" progId="Excel.Sheet.8">
+                <p:oleObj spid="_x0000_s30729" name="Worksheet" r:id="rId8" imgW="17627600" imgH="6324600" progId="Excel.Sheet.8">
                   <p:embed/>
                 </p:oleObj>
               </mc:Choice>
@@ -22395,7 +22400,7 @@
           <a:graphicData uri="http://schemas.openxmlformats.org/presentationml/2006/ole">
             <mc:AlternateContent xmlns:mc="http://schemas.openxmlformats.org/markup-compatibility/2006">
               <mc:Choice xmlns:v="urn:schemas-microsoft-com:vml" Requires="v">
-                <p:oleObj spid="_x0000_s32772" name="Equation" r:id="rId4" imgW="30353000" imgH="4902200" progId="Equation.3">
+                <p:oleObj spid="_x0000_s32775" name="Equation" r:id="rId4" imgW="30353000" imgH="4902200" progId="Equation.3">
                   <p:embed/>
                 </p:oleObj>
               </mc:Choice>
@@ -22502,7 +22507,7 @@
           <a:graphicData uri="http://schemas.openxmlformats.org/presentationml/2006/ole">
             <mc:AlternateContent xmlns:mc="http://schemas.openxmlformats.org/markup-compatibility/2006">
               <mc:Choice xmlns:v="urn:schemas-microsoft-com:vml" Requires="v">
-                <p:oleObj spid="_x0000_s32773" name="Equation" r:id="rId6" imgW="33959800" imgH="4406900" progId="Equation.3">
+                <p:oleObj spid="_x0000_s32776" name="Equation" r:id="rId6" imgW="33959800" imgH="4406900" progId="Equation.3">
                   <p:embed/>
                 </p:oleObj>
               </mc:Choice>
@@ -23267,7 +23272,7 @@
           <a:graphicData uri="http://schemas.openxmlformats.org/presentationml/2006/ole">
             <mc:AlternateContent xmlns:mc="http://schemas.openxmlformats.org/markup-compatibility/2006">
               <mc:Choice xmlns:v="urn:schemas-microsoft-com:vml" Requires="v">
-                <p:oleObj spid="_x0000_s32774" name="Worksheet" r:id="rId8" imgW="22263100" imgH="10248900" progId="Excel.Sheet.8">
+                <p:oleObj spid="_x0000_s32777" name="Worksheet" r:id="rId8" imgW="22263100" imgH="10248900" progId="Excel.Sheet.8">
                   <p:embed/>
                 </p:oleObj>
               </mc:Choice>
@@ -23580,7 +23585,7 @@
           <a:graphicData uri="http://schemas.openxmlformats.org/presentationml/2006/ole">
             <mc:AlternateContent xmlns:mc="http://schemas.openxmlformats.org/markup-compatibility/2006">
               <mc:Choice xmlns:v="urn:schemas-microsoft-com:vml" Requires="v">
-                <p:oleObj spid="_x0000_s34818" name="Equation" r:id="rId4" imgW="46151800" imgH="4064000" progId="Equation.3">
+                <p:oleObj spid="_x0000_s34819" name="Equation" r:id="rId4" imgW="46151800" imgH="4064000" progId="Equation.3">
                   <p:embed/>
                 </p:oleObj>
               </mc:Choice>
@@ -24090,7 +24095,7 @@
           <a:graphicData uri="http://schemas.openxmlformats.org/presentationml/2006/ole">
             <mc:AlternateContent xmlns:mc="http://schemas.openxmlformats.org/markup-compatibility/2006">
               <mc:Choice xmlns:v="urn:schemas-microsoft-com:vml" Requires="v">
-                <p:oleObj spid="_x0000_s36866" name="Clip" r:id="rId4" imgW="16751300" imgH="16370300" progId="MS_ClipArt_Gallery.2">
+                <p:oleObj spid="_x0000_s36867" name="Clip" r:id="rId4" imgW="16751300" imgH="16370300" progId="MS_ClipArt_Gallery.2">
                   <p:embed/>
                 </p:oleObj>
               </mc:Choice>
@@ -25938,7 +25943,7 @@
           <a:graphicData uri="http://schemas.openxmlformats.org/presentationml/2006/ole">
             <mc:AlternateContent xmlns:mc="http://schemas.openxmlformats.org/markup-compatibility/2006">
               <mc:Choice xmlns:v="urn:schemas-microsoft-com:vml" Requires="v">
-                <p:oleObj spid="_x0000_s38915" name="Worksheet" r:id="rId4" imgW="21132800" imgH="9232900" progId="Excel.Sheet.8">
+                <p:oleObj spid="_x0000_s38917" name="Worksheet" r:id="rId4" imgW="21132800" imgH="9232900" progId="Excel.Sheet.8">
                   <p:embed/>
                 </p:oleObj>
               </mc:Choice>
@@ -26273,7 +26278,7 @@
           <a:graphicData uri="http://schemas.openxmlformats.org/presentationml/2006/ole">
             <mc:AlternateContent xmlns:mc="http://schemas.openxmlformats.org/markup-compatibility/2006">
               <mc:Choice xmlns:v="urn:schemas-microsoft-com:vml" Requires="v">
-                <p:oleObj spid="_x0000_s38916" name="Equation" r:id="rId6" imgW="33426400" imgH="3771900" progId="Equation.3">
+                <p:oleObj spid="_x0000_s38918" name="Equation" r:id="rId6" imgW="33426400" imgH="3771900" progId="Equation.3">
                   <p:embed/>
                 </p:oleObj>
               </mc:Choice>
@@ -26747,7 +26752,7 @@
           <a:graphicData uri="http://schemas.openxmlformats.org/presentationml/2006/ole">
             <mc:AlternateContent xmlns:mc="http://schemas.openxmlformats.org/markup-compatibility/2006">
               <mc:Choice xmlns:v="urn:schemas-microsoft-com:vml" Requires="v">
-                <p:oleObj spid="_x0000_s40963" name="Equation" r:id="rId4" imgW="33426400" imgH="3771900" progId="Equation.3">
+                <p:oleObj spid="_x0000_s40965" name="Equation" r:id="rId4" imgW="33426400" imgH="3771900" progId="Equation.3">
                   <p:embed/>
                 </p:oleObj>
               </mc:Choice>
@@ -27083,7 +27088,7 @@
           <a:graphicData uri="http://schemas.openxmlformats.org/presentationml/2006/ole">
             <mc:AlternateContent xmlns:mc="http://schemas.openxmlformats.org/markup-compatibility/2006">
               <mc:Choice xmlns:v="urn:schemas-microsoft-com:vml" Requires="v">
-                <p:oleObj spid="_x0000_s40964" name="Equation" r:id="rId6" imgW="37325300" imgH="11239500" progId="Equation.3">
+                <p:oleObj spid="_x0000_s40966" name="Equation" r:id="rId6" imgW="37325300" imgH="11239500" progId="Equation.3">
                   <p:embed/>
                 </p:oleObj>
               </mc:Choice>
@@ -40470,7 +40475,7 @@
           <a:graphicData uri="http://schemas.openxmlformats.org/presentationml/2006/ole">
             <mc:AlternateContent xmlns:mc="http://schemas.openxmlformats.org/markup-compatibility/2006">
               <mc:Choice xmlns:v="urn:schemas-microsoft-com:vml" Requires="v">
-                <p:oleObj spid="_x0000_s49155" name="Equation" r:id="rId4" imgW="20256500" imgH="6299200" progId="Equation.3">
+                <p:oleObj spid="_x0000_s49157" name="Equation" r:id="rId4" imgW="20256500" imgH="6299200" progId="Equation.3">
                   <p:embed/>
                 </p:oleObj>
               </mc:Choice>
@@ -40577,7 +40582,7 @@
           <a:graphicData uri="http://schemas.openxmlformats.org/presentationml/2006/ole">
             <mc:AlternateContent xmlns:mc="http://schemas.openxmlformats.org/markup-compatibility/2006">
               <mc:Choice xmlns:v="urn:schemas-microsoft-com:vml" Requires="v">
-                <p:oleObj spid="_x0000_s49156" name="Equation" r:id="rId6" imgW="21577300" imgH="9271000" progId="Equation.3">
+                <p:oleObj spid="_x0000_s49158" name="Equation" r:id="rId6" imgW="21577300" imgH="9271000" progId="Equation.3">
                   <p:embed/>
                 </p:oleObj>
               </mc:Choice>
@@ -50840,7 +50845,7 @@
           <a:graphicData uri="http://schemas.openxmlformats.org/presentationml/2006/ole">
             <mc:AlternateContent xmlns:mc="http://schemas.openxmlformats.org/markup-compatibility/2006">
               <mc:Choice xmlns:v="urn:schemas-microsoft-com:vml" Requires="v">
-                <p:oleObj spid="_x0000_s14338" name="Clip" r:id="rId4" imgW="14554200" imgH="7099300" progId="MS_ClipArt_Gallery.2">
+                <p:oleObj spid="_x0000_s14339" name="Clip" r:id="rId4" imgW="14554200" imgH="7099300" progId="MS_ClipArt_Gallery.2">
                   <p:embed/>
                 </p:oleObj>
               </mc:Choice>
@@ -51284,7 +51289,7 @@
           <a:graphicData uri="http://schemas.openxmlformats.org/presentationml/2006/ole">
             <mc:AlternateContent xmlns:mc="http://schemas.openxmlformats.org/markup-compatibility/2006">
               <mc:Choice xmlns:v="urn:schemas-microsoft-com:vml" Requires="v">
-                <p:oleObj spid="_x0000_s16387" name="Equation" r:id="rId4" imgW="18503900" imgH="4051300" progId="Equation.3">
+                <p:oleObj spid="_x0000_s16389" name="Equation" r:id="rId4" imgW="18503900" imgH="4051300" progId="Equation.3">
                   <p:embed/>
                 </p:oleObj>
               </mc:Choice>
@@ -51391,7 +51396,7 @@
           <a:graphicData uri="http://schemas.openxmlformats.org/presentationml/2006/ole">
             <mc:AlternateContent xmlns:mc="http://schemas.openxmlformats.org/markup-compatibility/2006">
               <mc:Choice xmlns:v="urn:schemas-microsoft-com:vml" Requires="v">
-                <p:oleObj spid="_x0000_s16388" name="Equation" r:id="rId6" imgW="25971500" imgH="4686300" progId="Equation.3">
+                <p:oleObj spid="_x0000_s16390" name="Equation" r:id="rId6" imgW="25971500" imgH="4686300" progId="Equation.3">
                   <p:embed/>
                 </p:oleObj>
               </mc:Choice>
